--- a/Analyse.pptx
+++ b/Analyse.pptx
@@ -21,6 +21,9 @@
     <p:sldId id="268" r:id="rId15"/>
     <p:sldId id="270" r:id="rId16"/>
     <p:sldId id="271" r:id="rId17"/>
+    <p:sldId id="272" r:id="rId18"/>
+    <p:sldId id="274" r:id="rId19"/>
+    <p:sldId id="273" r:id="rId20"/>
   </p:sldIdLst>
   <p:sldSz cx="12192000" cy="6858000"/>
   <p:notesSz cx="6858000" cy="9144000"/>
@@ -148,6 +151,9 @@
             <p14:sldId id="268"/>
             <p14:sldId id="270"/>
             <p14:sldId id="271"/>
+            <p14:sldId id="272"/>
+            <p14:sldId id="274"/>
+            <p14:sldId id="273"/>
           </p14:sldIdLst>
         </p14:section>
       </p14:sectionLst>
@@ -161,6 +167,30 @@
 
 <file path=ppt/changesInfos/changesInfo1.xml><?xml version="1.0" encoding="utf-8"?>
 <pc:chgInfo xmlns:a="http://schemas.openxmlformats.org/drawingml/2006/main" xmlns:r="http://schemas.openxmlformats.org/officeDocument/2006/relationships" xmlns:ac="http://schemas.microsoft.com/office/drawing/2013/main/command" xmlns:pc="http://schemas.microsoft.com/office/powerpoint/2013/main/command">
+  <pc:docChgLst>
+    <pc:chgData name="Corentin HIVER" userId="36e1ca1018ad5470" providerId="LiveId" clId="{C9CC17D4-DB04-2D44-A3F9-6CDE37DDF9A8}"/>
+    <pc:docChg chg="modSld">
+      <pc:chgData name="Corentin HIVER" userId="36e1ca1018ad5470" providerId="LiveId" clId="{C9CC17D4-DB04-2D44-A3F9-6CDE37DDF9A8}" dt="2025-06-10T13:50:47.056" v="0" actId="14100"/>
+      <pc:docMkLst>
+        <pc:docMk/>
+      </pc:docMkLst>
+      <pc:sldChg chg="modSp">
+        <pc:chgData name="Corentin HIVER" userId="36e1ca1018ad5470" providerId="LiveId" clId="{C9CC17D4-DB04-2D44-A3F9-6CDE37DDF9A8}" dt="2025-06-10T13:50:47.056" v="0" actId="14100"/>
+        <pc:sldMkLst>
+          <pc:docMk/>
+          <pc:sldMk cId="2949053819" sldId="264"/>
+        </pc:sldMkLst>
+        <pc:spChg chg="mod">
+          <ac:chgData name="Corentin HIVER" userId="36e1ca1018ad5470" providerId="LiveId" clId="{C9CC17D4-DB04-2D44-A3F9-6CDE37DDF9A8}" dt="2025-06-10T13:50:47.056" v="0" actId="14100"/>
+          <ac:spMkLst>
+            <pc:docMk/>
+            <pc:sldMk cId="2949053819" sldId="264"/>
+            <ac:spMk id="10" creationId="{591A26BB-2898-4859-A857-30DA08106757}"/>
+          </ac:spMkLst>
+        </pc:spChg>
+      </pc:sldChg>
+    </pc:docChg>
+  </pc:docChgLst>
   <pc:docChgLst>
     <pc:chgData name="Utilisateur invité" providerId="Windows Live" clId="Web-{52D0441D-38F3-0D46-7855-328387EC0937}"/>
     <pc:docChg chg="delSld modSection">
@@ -180,7 +210,7 @@
   <pc:docChgLst>
     <pc:chgData name="Corentin HIVER" userId="36e1ca1018ad5470" providerId="LiveId" clId="{C5ED9474-D1C5-4EAF-8FD3-1705BCC8FA6E}"/>
     <pc:docChg chg="undo redo custSel addSld delSld modSld sldOrd addSection modSection">
-      <pc:chgData name="Corentin HIVER" userId="36e1ca1018ad5470" providerId="LiveId" clId="{C5ED9474-D1C5-4EAF-8FD3-1705BCC8FA6E}" dt="2025-06-05T14:39:25.632" v="922" actId="1037"/>
+      <pc:chgData name="Corentin HIVER" userId="36e1ca1018ad5470" providerId="LiveId" clId="{C5ED9474-D1C5-4EAF-8FD3-1705BCC8FA6E}" dt="2025-06-10T09:42:12.320" v="942" actId="1037"/>
       <pc:docMkLst>
         <pc:docMk/>
       </pc:docMkLst>
@@ -198,14 +228,6 @@
             <ac:spMk id="2" creationId="{40536761-C751-4AA6-9478-79C5AC302E8E}"/>
           </ac:spMkLst>
         </pc:spChg>
-        <pc:spChg chg="del">
-          <ac:chgData name="Corentin HIVER" userId="36e1ca1018ad5470" providerId="LiveId" clId="{C5ED9474-D1C5-4EAF-8FD3-1705BCC8FA6E}" dt="2025-06-05T14:16:36.628" v="809" actId="478"/>
-          <ac:spMkLst>
-            <pc:docMk/>
-            <pc:sldMk cId="1588941719" sldId="256"/>
-            <ac:spMk id="3" creationId="{9EE3738C-556C-4F0F-9818-F37869645124}"/>
-          </ac:spMkLst>
-        </pc:spChg>
       </pc:sldChg>
       <pc:sldChg chg="addSp delSp modSp new mod">
         <pc:chgData name="Corentin HIVER" userId="36e1ca1018ad5470" providerId="LiveId" clId="{C5ED9474-D1C5-4EAF-8FD3-1705BCC8FA6E}" dt="2025-06-05T12:18:03.600" v="100" actId="1076"/>
@@ -213,22 +235,6 @@
           <pc:docMk/>
           <pc:sldMk cId="165906074" sldId="257"/>
         </pc:sldMkLst>
-        <pc:spChg chg="del">
-          <ac:chgData name="Corentin HIVER" userId="36e1ca1018ad5470" providerId="LiveId" clId="{C5ED9474-D1C5-4EAF-8FD3-1705BCC8FA6E}" dt="2025-06-05T12:12:43.921" v="18" actId="478"/>
-          <ac:spMkLst>
-            <pc:docMk/>
-            <pc:sldMk cId="165906074" sldId="257"/>
-            <ac:spMk id="2" creationId="{A3081A1C-795F-4C78-9309-DA99724F6D29}"/>
-          </ac:spMkLst>
-        </pc:spChg>
-        <pc:spChg chg="del">
-          <ac:chgData name="Corentin HIVER" userId="36e1ca1018ad5470" providerId="LiveId" clId="{C5ED9474-D1C5-4EAF-8FD3-1705BCC8FA6E}" dt="2025-06-05T12:12:45.332" v="19" actId="478"/>
-          <ac:spMkLst>
-            <pc:docMk/>
-            <pc:sldMk cId="165906074" sldId="257"/>
-            <ac:spMk id="3" creationId="{D8837C75-ED08-487C-8289-4EDD5F406C76}"/>
-          </ac:spMkLst>
-        </pc:spChg>
         <pc:spChg chg="add mod">
           <ac:chgData name="Corentin HIVER" userId="36e1ca1018ad5470" providerId="LiveId" clId="{C5ED9474-D1C5-4EAF-8FD3-1705BCC8FA6E}" dt="2025-06-05T12:14:46.812" v="40" actId="403"/>
           <ac:spMkLst>
@@ -322,22 +328,6 @@
             <ac:spMk id="5" creationId="{6286CD4F-2F1C-4492-9A0D-4B5F5FF51493}"/>
           </ac:spMkLst>
         </pc:spChg>
-        <pc:spChg chg="del">
-          <ac:chgData name="Corentin HIVER" userId="36e1ca1018ad5470" providerId="LiveId" clId="{C5ED9474-D1C5-4EAF-8FD3-1705BCC8FA6E}" dt="2025-06-05T12:18:08.615" v="104" actId="478"/>
-          <ac:spMkLst>
-            <pc:docMk/>
-            <pc:sldMk cId="2906935106" sldId="259"/>
-            <ac:spMk id="7" creationId="{D7DCD0B3-51C7-4C5B-BCB4-3F715EF73B45}"/>
-          </ac:spMkLst>
-        </pc:spChg>
-        <pc:spChg chg="del">
-          <ac:chgData name="Corentin HIVER" userId="36e1ca1018ad5470" providerId="LiveId" clId="{C5ED9474-D1C5-4EAF-8FD3-1705BCC8FA6E}" dt="2025-06-05T12:18:08.615" v="104" actId="478"/>
-          <ac:spMkLst>
-            <pc:docMk/>
-            <pc:sldMk cId="2906935106" sldId="259"/>
-            <ac:spMk id="10" creationId="{1E29A2D0-2D8A-4684-9B45-78B559AFB70A}"/>
-          </ac:spMkLst>
-        </pc:spChg>
         <pc:spChg chg="add mod">
           <ac:chgData name="Corentin HIVER" userId="36e1ca1018ad5470" providerId="LiveId" clId="{C5ED9474-D1C5-4EAF-8FD3-1705BCC8FA6E}" dt="2025-06-05T12:19:08.453" v="125" actId="20577"/>
           <ac:spMkLst>
@@ -360,22 +350,6 @@
             <pc:docMk/>
             <pc:sldMk cId="2906935106" sldId="259"/>
             <ac:picMk id="3" creationId="{EDE5C727-E36E-41F2-9825-D609B1B26ABD}"/>
-          </ac:picMkLst>
-        </pc:picChg>
-        <pc:picChg chg="del">
-          <ac:chgData name="Corentin HIVER" userId="36e1ca1018ad5470" providerId="LiveId" clId="{C5ED9474-D1C5-4EAF-8FD3-1705BCC8FA6E}" dt="2025-06-05T12:18:06.849" v="102" actId="478"/>
-          <ac:picMkLst>
-            <pc:docMk/>
-            <pc:sldMk cId="2906935106" sldId="259"/>
-            <ac:picMk id="6" creationId="{728A177E-59D0-46A4-B650-7BCE44338A1F}"/>
-          </ac:picMkLst>
-        </pc:picChg>
-        <pc:picChg chg="del">
-          <ac:chgData name="Corentin HIVER" userId="36e1ca1018ad5470" providerId="LiveId" clId="{C5ED9474-D1C5-4EAF-8FD3-1705BCC8FA6E}" dt="2025-06-05T12:18:07.389" v="103" actId="478"/>
-          <ac:picMkLst>
-            <pc:docMk/>
-            <pc:sldMk cId="2906935106" sldId="259"/>
-            <ac:picMk id="9" creationId="{6C1EEDFB-E1E6-4B2D-9BDC-2AC71F4993E1}"/>
           </ac:picMkLst>
         </pc:picChg>
         <pc:picChg chg="add mod">
@@ -393,14 +367,6 @@
           <pc:docMk/>
           <pc:sldMk cId="1930129464" sldId="260"/>
         </pc:sldMkLst>
-        <pc:spChg chg="del">
-          <ac:chgData name="Corentin HIVER" userId="36e1ca1018ad5470" providerId="LiveId" clId="{C5ED9474-D1C5-4EAF-8FD3-1705BCC8FA6E}" dt="2025-06-05T12:55:04.240" v="165" actId="478"/>
-          <ac:spMkLst>
-            <pc:docMk/>
-            <pc:sldMk cId="1930129464" sldId="260"/>
-            <ac:spMk id="5" creationId="{6286CD4F-2F1C-4492-9A0D-4B5F5FF51493}"/>
-          </ac:spMkLst>
-        </pc:spChg>
         <pc:spChg chg="add mod">
           <ac:chgData name="Corentin HIVER" userId="36e1ca1018ad5470" providerId="LiveId" clId="{C5ED9474-D1C5-4EAF-8FD3-1705BCC8FA6E}" dt="2025-06-05T13:06:44.140" v="393" actId="20577"/>
           <ac:spMkLst>
@@ -409,44 +375,12 @@
             <ac:spMk id="7" creationId="{A07A7268-CB3A-42E4-A632-1091EAB1710B}"/>
           </ac:spMkLst>
         </pc:spChg>
-        <pc:spChg chg="del">
-          <ac:chgData name="Corentin HIVER" userId="36e1ca1018ad5470" providerId="LiveId" clId="{C5ED9474-D1C5-4EAF-8FD3-1705BCC8FA6E}" dt="2025-06-05T12:55:03.146" v="164" actId="478"/>
-          <ac:spMkLst>
-            <pc:docMk/>
-            <pc:sldMk cId="1930129464" sldId="260"/>
-            <ac:spMk id="12" creationId="{2244FFEE-1C6C-462E-9847-DBDA1E90EFF9}"/>
-          </ac:spMkLst>
-        </pc:spChg>
-        <pc:spChg chg="del">
-          <ac:chgData name="Corentin HIVER" userId="36e1ca1018ad5470" providerId="LiveId" clId="{C5ED9474-D1C5-4EAF-8FD3-1705BCC8FA6E}" dt="2025-06-05T12:55:03.146" v="164" actId="478"/>
-          <ac:spMkLst>
-            <pc:docMk/>
-            <pc:sldMk cId="1930129464" sldId="260"/>
-            <ac:spMk id="13" creationId="{693BD512-1947-4016-BB0E-DA6B552F47B4}"/>
-          </ac:spMkLst>
-        </pc:spChg>
-        <pc:picChg chg="del">
-          <ac:chgData name="Corentin HIVER" userId="36e1ca1018ad5470" providerId="LiveId" clId="{C5ED9474-D1C5-4EAF-8FD3-1705BCC8FA6E}" dt="2025-06-05T12:55:01.736" v="162" actId="478"/>
-          <ac:picMkLst>
-            <pc:docMk/>
-            <pc:sldMk cId="1930129464" sldId="260"/>
-            <ac:picMk id="3" creationId="{EDE5C727-E36E-41F2-9825-D609B1B26ABD}"/>
-          </ac:picMkLst>
-        </pc:picChg>
         <pc:picChg chg="add mod">
           <ac:chgData name="Corentin HIVER" userId="36e1ca1018ad5470" providerId="LiveId" clId="{C5ED9474-D1C5-4EAF-8FD3-1705BCC8FA6E}" dt="2025-06-05T13:06:45.693" v="395" actId="1076"/>
           <ac:picMkLst>
             <pc:docMk/>
             <pc:sldMk cId="1930129464" sldId="260"/>
             <ac:picMk id="6" creationId="{941E56E7-5253-4380-A64A-7AB1BF3C4679}"/>
-          </ac:picMkLst>
-        </pc:picChg>
-        <pc:picChg chg="del">
-          <ac:chgData name="Corentin HIVER" userId="36e1ca1018ad5470" providerId="LiveId" clId="{C5ED9474-D1C5-4EAF-8FD3-1705BCC8FA6E}" dt="2025-06-05T12:55:02.236" v="163" actId="478"/>
-          <ac:picMkLst>
-            <pc:docMk/>
-            <pc:sldMk cId="1930129464" sldId="260"/>
-            <ac:picMk id="11" creationId="{D6932A86-6D29-48E2-B6A5-30EF315C8939}"/>
           </ac:picMkLst>
         </pc:picChg>
       </pc:sldChg>
@@ -480,14 +414,6 @@
             <ac:picMk id="3" creationId="{9638DB45-8ABB-469C-8335-A0AA5FB24807}"/>
           </ac:picMkLst>
         </pc:picChg>
-        <pc:picChg chg="del">
-          <ac:chgData name="Corentin HIVER" userId="36e1ca1018ad5470" providerId="LiveId" clId="{C5ED9474-D1C5-4EAF-8FD3-1705BCC8FA6E}" dt="2025-06-05T12:59:02.235" v="170" actId="478"/>
-          <ac:picMkLst>
-            <pc:docMk/>
-            <pc:sldMk cId="790493992" sldId="261"/>
-            <ac:picMk id="6" creationId="{941E56E7-5253-4380-A64A-7AB1BF3C4679}"/>
-          </ac:picMkLst>
-        </pc:picChg>
         <pc:picChg chg="add mod ord modCrop">
           <ac:chgData name="Corentin HIVER" userId="36e1ca1018ad5470" providerId="LiveId" clId="{C5ED9474-D1C5-4EAF-8FD3-1705BCC8FA6E}" dt="2025-06-05T13:07:37.571" v="410" actId="167"/>
           <ac:picMkLst>
@@ -503,14 +429,6 @@
           <pc:docMk/>
           <pc:sldMk cId="3116969343" sldId="262"/>
         </pc:sldMkLst>
-        <pc:spChg chg="del mod">
-          <ac:chgData name="Corentin HIVER" userId="36e1ca1018ad5470" providerId="LiveId" clId="{C5ED9474-D1C5-4EAF-8FD3-1705BCC8FA6E}" dt="2025-06-05T13:07:47.572" v="413" actId="478"/>
-          <ac:spMkLst>
-            <pc:docMk/>
-            <pc:sldMk cId="3116969343" sldId="262"/>
-            <ac:spMk id="5" creationId="{764B23E9-FBB3-4B60-8BC3-7A3492F9513F}"/>
-          </ac:spMkLst>
-        </pc:spChg>
         <pc:spChg chg="add mod">
           <ac:chgData name="Corentin HIVER" userId="36e1ca1018ad5470" providerId="LiveId" clId="{C5ED9474-D1C5-4EAF-8FD3-1705BCC8FA6E}" dt="2025-06-05T13:07:50.523" v="419" actId="20577"/>
           <ac:spMkLst>
@@ -527,14 +445,6 @@
             <ac:spMk id="9" creationId="{4B22288A-6357-41CA-9E74-10365C78886C}"/>
           </ac:spMkLst>
         </pc:spChg>
-        <pc:picChg chg="del">
-          <ac:chgData name="Corentin HIVER" userId="36e1ca1018ad5470" providerId="LiveId" clId="{C5ED9474-D1C5-4EAF-8FD3-1705BCC8FA6E}" dt="2025-06-05T13:00:10.726" v="192" actId="478"/>
-          <ac:picMkLst>
-            <pc:docMk/>
-            <pc:sldMk cId="3116969343" sldId="262"/>
-            <ac:picMk id="3" creationId="{9638DB45-8ABB-469C-8335-A0AA5FB24807}"/>
-          </ac:picMkLst>
-        </pc:picChg>
         <pc:picChg chg="add mod">
           <ac:chgData name="Corentin HIVER" userId="36e1ca1018ad5470" providerId="LiveId" clId="{C5ED9474-D1C5-4EAF-8FD3-1705BCC8FA6E}" dt="2025-06-05T13:09:19.863" v="465" actId="1037"/>
           <ac:picMkLst>
@@ -558,14 +468,6 @@
           <pc:docMk/>
           <pc:sldMk cId="1019606753" sldId="263"/>
         </pc:sldMkLst>
-        <pc:spChg chg="del mod ord">
-          <ac:chgData name="Corentin HIVER" userId="36e1ca1018ad5470" providerId="LiveId" clId="{C5ED9474-D1C5-4EAF-8FD3-1705BCC8FA6E}" dt="2025-06-05T13:02:59.350" v="264" actId="478"/>
-          <ac:spMkLst>
-            <pc:docMk/>
-            <pc:sldMk cId="1019606753" sldId="263"/>
-            <ac:spMk id="5" creationId="{764B23E9-FBB3-4B60-8BC3-7A3492F9513F}"/>
-          </ac:spMkLst>
-        </pc:spChg>
         <pc:spChg chg="add mod">
           <ac:chgData name="Corentin HIVER" userId="36e1ca1018ad5470" providerId="LiveId" clId="{C5ED9474-D1C5-4EAF-8FD3-1705BCC8FA6E}" dt="2025-06-05T13:03:51.471" v="283" actId="207"/>
           <ac:spMkLst>
@@ -582,22 +484,6 @@
             <ac:spMk id="11" creationId="{1906667E-8C0C-43A6-A7BC-A8747B1D38AB}"/>
           </ac:spMkLst>
         </pc:spChg>
-        <pc:picChg chg="add del">
-          <ac:chgData name="Corentin HIVER" userId="36e1ca1018ad5470" providerId="LiveId" clId="{C5ED9474-D1C5-4EAF-8FD3-1705BCC8FA6E}" dt="2025-06-05T13:01:06.869" v="205" actId="478"/>
-          <ac:picMkLst>
-            <pc:docMk/>
-            <pc:sldMk cId="1019606753" sldId="263"/>
-            <ac:picMk id="3" creationId="{99879D19-B094-4639-BE27-7B788DBFE83A}"/>
-          </ac:picMkLst>
-        </pc:picChg>
-        <pc:picChg chg="del">
-          <ac:chgData name="Corentin HIVER" userId="36e1ca1018ad5470" providerId="LiveId" clId="{C5ED9474-D1C5-4EAF-8FD3-1705BCC8FA6E}" dt="2025-06-05T13:01:04.580" v="203" actId="478"/>
-          <ac:picMkLst>
-            <pc:docMk/>
-            <pc:sldMk cId="1019606753" sldId="263"/>
-            <ac:picMk id="6" creationId="{60E4E6F2-834E-4868-9987-F15239939CDB}"/>
-          </ac:picMkLst>
-        </pc:picChg>
         <pc:picChg chg="add mod">
           <ac:chgData name="Corentin HIVER" userId="36e1ca1018ad5470" providerId="LiveId" clId="{C5ED9474-D1C5-4EAF-8FD3-1705BCC8FA6E}" dt="2025-06-05T13:01:28.907" v="211" actId="1076"/>
           <ac:picMkLst>
@@ -621,14 +507,6 @@
           <pc:docMk/>
           <pc:sldMk cId="2949053819" sldId="264"/>
         </pc:sldMkLst>
-        <pc:spChg chg="del mod">
-          <ac:chgData name="Corentin HIVER" userId="36e1ca1018ad5470" providerId="LiveId" clId="{C5ED9474-D1C5-4EAF-8FD3-1705BCC8FA6E}" dt="2025-06-05T13:03:32.237" v="269" actId="478"/>
-          <ac:spMkLst>
-            <pc:docMk/>
-            <pc:sldMk cId="2949053819" sldId="264"/>
-            <ac:spMk id="5" creationId="{764B23E9-FBB3-4B60-8BC3-7A3492F9513F}"/>
-          </ac:spMkLst>
-        </pc:spChg>
         <pc:spChg chg="add mod">
           <ac:chgData name="Corentin HIVER" userId="36e1ca1018ad5470" providerId="LiveId" clId="{C5ED9474-D1C5-4EAF-8FD3-1705BCC8FA6E}" dt="2025-06-05T13:09:42.524" v="466" actId="14100"/>
           <ac:spMkLst>
@@ -659,14 +537,6 @@
             <pc:docMk/>
             <pc:sldMk cId="2949053819" sldId="264"/>
             <ac:picMk id="7" creationId="{ED0613DF-F9AC-4755-89C2-F551E7469879}"/>
-          </ac:picMkLst>
-        </pc:picChg>
-        <pc:picChg chg="del">
-          <ac:chgData name="Corentin HIVER" userId="36e1ca1018ad5470" providerId="LiveId" clId="{C5ED9474-D1C5-4EAF-8FD3-1705BCC8FA6E}" dt="2025-06-05T13:02:11.850" v="234" actId="478"/>
-          <ac:picMkLst>
-            <pc:docMk/>
-            <pc:sldMk cId="2949053819" sldId="264"/>
-            <ac:picMk id="8" creationId="{3D9404FA-1FF3-4DBD-99C1-408247BC1501}"/>
           </ac:picMkLst>
         </pc:picChg>
       </pc:sldChg>
@@ -676,22 +546,6 @@
           <pc:docMk/>
           <pc:sldMk cId="461671027" sldId="265"/>
         </pc:sldMkLst>
-        <pc:spChg chg="del">
-          <ac:chgData name="Corentin HIVER" userId="36e1ca1018ad5470" providerId="LiveId" clId="{C5ED9474-D1C5-4EAF-8FD3-1705BCC8FA6E}" dt="2025-06-05T13:15:13.336" v="469" actId="478"/>
-          <ac:spMkLst>
-            <pc:docMk/>
-            <pc:sldMk cId="461671027" sldId="265"/>
-            <ac:spMk id="9" creationId="{249A966A-A4C2-4B56-95EE-E3832B052AA6}"/>
-          </ac:spMkLst>
-        </pc:spChg>
-        <pc:spChg chg="del">
-          <ac:chgData name="Corentin HIVER" userId="36e1ca1018ad5470" providerId="LiveId" clId="{C5ED9474-D1C5-4EAF-8FD3-1705BCC8FA6E}" dt="2025-06-05T13:15:13.336" v="469" actId="478"/>
-          <ac:spMkLst>
-            <pc:docMk/>
-            <pc:sldMk cId="461671027" sldId="265"/>
-            <ac:spMk id="10" creationId="{591A26BB-2898-4859-A857-30DA08106757}"/>
-          </ac:spMkLst>
-        </pc:spChg>
         <pc:spChg chg="add mod">
           <ac:chgData name="Corentin HIVER" userId="36e1ca1018ad5470" providerId="LiveId" clId="{C5ED9474-D1C5-4EAF-8FD3-1705BCC8FA6E}" dt="2025-06-05T13:15:24.130" v="473"/>
           <ac:spMkLst>
@@ -700,28 +554,12 @@
             <ac:spMk id="12" creationId="{2106DD31-30DD-4138-A2A7-A672B02F42A6}"/>
           </ac:spMkLst>
         </pc:spChg>
-        <pc:picChg chg="del">
-          <ac:chgData name="Corentin HIVER" userId="36e1ca1018ad5470" providerId="LiveId" clId="{C5ED9474-D1C5-4EAF-8FD3-1705BCC8FA6E}" dt="2025-06-05T13:15:10.969" v="468" actId="478"/>
-          <ac:picMkLst>
-            <pc:docMk/>
-            <pc:sldMk cId="461671027" sldId="265"/>
-            <ac:picMk id="3" creationId="{64A62DB8-C469-4243-B2FC-E480834312DA}"/>
-          </ac:picMkLst>
-        </pc:picChg>
         <pc:picChg chg="add mod">
           <ac:chgData name="Corentin HIVER" userId="36e1ca1018ad5470" providerId="LiveId" clId="{C5ED9474-D1C5-4EAF-8FD3-1705BCC8FA6E}" dt="2025-06-05T13:15:29.799" v="475" actId="1076"/>
           <ac:picMkLst>
             <pc:docMk/>
             <pc:sldMk cId="461671027" sldId="265"/>
             <ac:picMk id="5" creationId="{D6C56FAE-7FA0-4BA3-BD37-E0F34FB6FB2F}"/>
-          </ac:picMkLst>
-        </pc:picChg>
-        <pc:picChg chg="del">
-          <ac:chgData name="Corentin HIVER" userId="36e1ca1018ad5470" providerId="LiveId" clId="{C5ED9474-D1C5-4EAF-8FD3-1705BCC8FA6E}" dt="2025-06-05T13:15:13.336" v="469" actId="478"/>
-          <ac:picMkLst>
-            <pc:docMk/>
-            <pc:sldMk cId="461671027" sldId="265"/>
-            <ac:picMk id="7" creationId="{ED0613DF-F9AC-4755-89C2-F551E7469879}"/>
           </ac:picMkLst>
         </pc:picChg>
         <pc:picChg chg="add mod">
@@ -747,22 +585,6 @@
             <ac:spMk id="3" creationId="{F52AC629-042F-45AA-B823-0ADC14DA3667}"/>
           </ac:spMkLst>
         </pc:spChg>
-        <pc:spChg chg="add del">
-          <ac:chgData name="Corentin HIVER" userId="36e1ca1018ad5470" providerId="LiveId" clId="{C5ED9474-D1C5-4EAF-8FD3-1705BCC8FA6E}" dt="2025-06-05T13:18:49.911" v="481" actId="22"/>
-          <ac:spMkLst>
-            <pc:docMk/>
-            <pc:sldMk cId="2176404041" sldId="266"/>
-            <ac:spMk id="7" creationId="{7D1D35ED-6D41-45ED-BFE2-F2F040F6A283}"/>
-          </ac:spMkLst>
-        </pc:spChg>
-        <pc:spChg chg="del">
-          <ac:chgData name="Corentin HIVER" userId="36e1ca1018ad5470" providerId="LiveId" clId="{C5ED9474-D1C5-4EAF-8FD3-1705BCC8FA6E}" dt="2025-06-05T13:18:46.180" v="478" actId="478"/>
-          <ac:spMkLst>
-            <pc:docMk/>
-            <pc:sldMk cId="2176404041" sldId="266"/>
-            <ac:spMk id="12" creationId="{2106DD31-30DD-4138-A2A7-A672B02F42A6}"/>
-          </ac:spMkLst>
-        </pc:spChg>
         <pc:spChg chg="add mod">
           <ac:chgData name="Corentin HIVER" userId="36e1ca1018ad5470" providerId="LiveId" clId="{C5ED9474-D1C5-4EAF-8FD3-1705BCC8FA6E}" dt="2025-06-05T13:20:51.969" v="636" actId="1076"/>
           <ac:spMkLst>
@@ -771,36 +593,12 @@
             <ac:spMk id="16" creationId="{9034CEFC-7CCD-408B-ADD0-85B97C46F6CA}"/>
           </ac:spMkLst>
         </pc:spChg>
-        <pc:picChg chg="del">
-          <ac:chgData name="Corentin HIVER" userId="36e1ca1018ad5470" providerId="LiveId" clId="{C5ED9474-D1C5-4EAF-8FD3-1705BCC8FA6E}" dt="2025-06-05T13:18:47.926" v="479" actId="478"/>
-          <ac:picMkLst>
-            <pc:docMk/>
-            <pc:sldMk cId="2176404041" sldId="266"/>
-            <ac:picMk id="5" creationId="{D6C56FAE-7FA0-4BA3-BD37-E0F34FB6FB2F}"/>
-          </ac:picMkLst>
-        </pc:picChg>
         <pc:picChg chg="add mod">
           <ac:chgData name="Corentin HIVER" userId="36e1ca1018ad5470" providerId="LiveId" clId="{C5ED9474-D1C5-4EAF-8FD3-1705BCC8FA6E}" dt="2025-06-05T13:19:32.010" v="500" actId="1076"/>
           <ac:picMkLst>
             <pc:docMk/>
             <pc:sldMk cId="2176404041" sldId="266"/>
             <ac:picMk id="8" creationId="{AA93F41B-FC2C-49D6-8410-1746343AAE85}"/>
-          </ac:picMkLst>
-        </pc:picChg>
-        <pc:picChg chg="del">
-          <ac:chgData name="Corentin HIVER" userId="36e1ca1018ad5470" providerId="LiveId" clId="{C5ED9474-D1C5-4EAF-8FD3-1705BCC8FA6E}" dt="2025-06-05T13:18:44.995" v="477" actId="478"/>
-          <ac:picMkLst>
-            <pc:docMk/>
-            <pc:sldMk cId="2176404041" sldId="266"/>
-            <ac:picMk id="11" creationId="{D9F07C8E-03D0-4DF4-B554-A4B58C309452}"/>
-          </ac:picMkLst>
-        </pc:picChg>
-        <pc:picChg chg="add del mod">
-          <ac:chgData name="Corentin HIVER" userId="36e1ca1018ad5470" providerId="LiveId" clId="{C5ED9474-D1C5-4EAF-8FD3-1705BCC8FA6E}" dt="2025-06-05T13:22:00.220" v="640" actId="22"/>
-          <ac:picMkLst>
-            <pc:docMk/>
-            <pc:sldMk cId="2176404041" sldId="266"/>
-            <ac:picMk id="18" creationId="{969D6719-5A03-4CB6-962A-A9B362860EED}"/>
           </ac:picMkLst>
         </pc:picChg>
         <pc:cxnChg chg="add mod">
@@ -826,14 +624,6 @@
           <pc:docMk/>
           <pc:sldMk cId="4161705533" sldId="267"/>
         </pc:sldMkLst>
-        <pc:spChg chg="del">
-          <ac:chgData name="Corentin HIVER" userId="36e1ca1018ad5470" providerId="LiveId" clId="{C5ED9474-D1C5-4EAF-8FD3-1705BCC8FA6E}" dt="2025-06-05T13:22:05.200" v="643" actId="478"/>
-          <ac:spMkLst>
-            <pc:docMk/>
-            <pc:sldMk cId="4161705533" sldId="267"/>
-            <ac:spMk id="3" creationId="{F52AC629-042F-45AA-B823-0ADC14DA3667}"/>
-          </ac:spMkLst>
-        </pc:spChg>
         <pc:spChg chg="mod">
           <ac:chgData name="Corentin HIVER" userId="36e1ca1018ad5470" providerId="LiveId" clId="{C5ED9474-D1C5-4EAF-8FD3-1705BCC8FA6E}" dt="2025-06-05T13:22:09.005" v="646" actId="1076"/>
           <ac:spMkLst>
@@ -850,30 +640,6 @@
             <ac:spMk id="18" creationId="{DF6C4D7A-FFB6-45AD-81BE-119F48B74B95}"/>
           </ac:spMkLst>
         </pc:spChg>
-        <pc:picChg chg="add del mod">
-          <ac:chgData name="Corentin HIVER" userId="36e1ca1018ad5470" providerId="LiveId" clId="{C5ED9474-D1C5-4EAF-8FD3-1705BCC8FA6E}" dt="2025-06-05T13:22:16.203" v="651" actId="478"/>
-          <ac:picMkLst>
-            <pc:docMk/>
-            <pc:sldMk cId="4161705533" sldId="267"/>
-            <ac:picMk id="5" creationId="{B3F800EE-8D3C-4BB6-9685-A6F926FD2135}"/>
-          </ac:picMkLst>
-        </pc:picChg>
-        <pc:picChg chg="add del mod">
-          <ac:chgData name="Corentin HIVER" userId="36e1ca1018ad5470" providerId="LiveId" clId="{C5ED9474-D1C5-4EAF-8FD3-1705BCC8FA6E}" dt="2025-06-05T13:22:56.882" v="654" actId="478"/>
-          <ac:picMkLst>
-            <pc:docMk/>
-            <pc:sldMk cId="4161705533" sldId="267"/>
-            <ac:picMk id="7" creationId="{EBB81B22-F0FA-497B-BD97-914F3213AA91}"/>
-          </ac:picMkLst>
-        </pc:picChg>
-        <pc:picChg chg="del">
-          <ac:chgData name="Corentin HIVER" userId="36e1ca1018ad5470" providerId="LiveId" clId="{C5ED9474-D1C5-4EAF-8FD3-1705BCC8FA6E}" dt="2025-06-05T13:22:03.992" v="642" actId="478"/>
-          <ac:picMkLst>
-            <pc:docMk/>
-            <pc:sldMk cId="4161705533" sldId="267"/>
-            <ac:picMk id="8" creationId="{AA93F41B-FC2C-49D6-8410-1746343AAE85}"/>
-          </ac:picMkLst>
-        </pc:picChg>
         <pc:picChg chg="add mod">
           <ac:chgData name="Corentin HIVER" userId="36e1ca1018ad5470" providerId="LiveId" clId="{C5ED9474-D1C5-4EAF-8FD3-1705BCC8FA6E}" dt="2025-06-05T13:23:01.499" v="657" actId="1076"/>
           <ac:picMkLst>
@@ -890,30 +656,6 @@
             <ac:picMk id="14" creationId="{FC1C1545-2858-44C3-BDF6-C7D44F65220D}"/>
           </ac:picMkLst>
         </pc:picChg>
-        <pc:cxnChg chg="del">
-          <ac:chgData name="Corentin HIVER" userId="36e1ca1018ad5470" providerId="LiveId" clId="{C5ED9474-D1C5-4EAF-8FD3-1705BCC8FA6E}" dt="2025-06-05T13:22:06.899" v="645" actId="478"/>
-          <ac:cxnSpMkLst>
-            <pc:docMk/>
-            <pc:sldMk cId="4161705533" sldId="267"/>
-            <ac:cxnSpMk id="10" creationId="{398813EE-9B86-47F1-A6D9-84D4731F5F17}"/>
-          </ac:cxnSpMkLst>
-        </pc:cxnChg>
-        <pc:cxnChg chg="del">
-          <ac:chgData name="Corentin HIVER" userId="36e1ca1018ad5470" providerId="LiveId" clId="{C5ED9474-D1C5-4EAF-8FD3-1705BCC8FA6E}" dt="2025-06-05T13:22:06.389" v="644" actId="478"/>
-          <ac:cxnSpMkLst>
-            <pc:docMk/>
-            <pc:sldMk cId="4161705533" sldId="267"/>
-            <ac:cxnSpMk id="13" creationId="{DCA17375-517E-4B48-A913-AAD60EA84FE6}"/>
-          </ac:cxnSpMkLst>
-        </pc:cxnChg>
-        <pc:cxnChg chg="add del">
-          <ac:chgData name="Corentin HIVER" userId="36e1ca1018ad5470" providerId="LiveId" clId="{C5ED9474-D1C5-4EAF-8FD3-1705BCC8FA6E}" dt="2025-06-05T13:23:45.637" v="662" actId="478"/>
-          <ac:cxnSpMkLst>
-            <pc:docMk/>
-            <pc:sldMk cId="4161705533" sldId="267"/>
-            <ac:cxnSpMk id="17" creationId="{302633C9-F58D-43DA-BBEC-C9F05A207E97}"/>
-          </ac:cxnSpMkLst>
-        </pc:cxnChg>
       </pc:sldChg>
       <pc:sldChg chg="addSp modSp add mod">
         <pc:chgData name="Corentin HIVER" userId="36e1ca1018ad5470" providerId="LiveId" clId="{C5ED9474-D1C5-4EAF-8FD3-1705BCC8FA6E}" dt="2025-06-05T14:39:15.289" v="916" actId="1037"/>
@@ -929,14 +671,6 @@
             <ac:picMk id="3" creationId="{0EEDA6A9-0632-4BF7-A180-FE8CE8427684}"/>
           </ac:picMkLst>
         </pc:picChg>
-        <pc:picChg chg="add mod">
-          <ac:chgData name="Corentin HIVER" userId="36e1ca1018ad5470" providerId="LiveId" clId="{C5ED9474-D1C5-4EAF-8FD3-1705BCC8FA6E}" dt="2025-06-05T14:38:31.391" v="906"/>
-          <ac:picMkLst>
-            <pc:docMk/>
-            <pc:sldMk cId="2110261071" sldId="268"/>
-            <ac:picMk id="4" creationId="{1061E80A-9D16-459A-BA6A-E61BF90D509D}"/>
-          </ac:picMkLst>
-        </pc:picChg>
       </pc:sldChg>
       <pc:sldChg chg="modSp new del mod">
         <pc:chgData name="Corentin HIVER" userId="36e1ca1018ad5470" providerId="LiveId" clId="{C5ED9474-D1C5-4EAF-8FD3-1705BCC8FA6E}" dt="2025-06-05T14:16:33.161" v="808" actId="47"/>
@@ -944,14 +678,6 @@
           <pc:docMk/>
           <pc:sldMk cId="2580178706" sldId="268"/>
         </pc:sldMkLst>
-        <pc:spChg chg="mod">
-          <ac:chgData name="Corentin HIVER" userId="36e1ca1018ad5470" providerId="LiveId" clId="{C5ED9474-D1C5-4EAF-8FD3-1705BCC8FA6E}" dt="2025-06-05T14:14:11.836" v="807" actId="20577"/>
-          <ac:spMkLst>
-            <pc:docMk/>
-            <pc:sldMk cId="2580178706" sldId="268"/>
-            <ac:spMk id="2" creationId="{6BAD3FA2-FE29-4373-A6C1-DE2517CA0592}"/>
-          </ac:spMkLst>
-        </pc:spChg>
       </pc:sldChg>
       <pc:sldChg chg="addSp delSp modSp add mod">
         <pc:chgData name="Corentin HIVER" userId="36e1ca1018ad5470" providerId="LiveId" clId="{C5ED9474-D1C5-4EAF-8FD3-1705BCC8FA6E}" dt="2025-06-05T14:32:53.163" v="903" actId="20577"/>
@@ -967,14 +693,6 @@
             <ac:spMk id="6" creationId="{3B56EFE5-B1AE-49A6-B5E4-D6260552344C}"/>
           </ac:spMkLst>
         </pc:spChg>
-        <pc:picChg chg="del">
-          <ac:chgData name="Corentin HIVER" userId="36e1ca1018ad5470" providerId="LiveId" clId="{C5ED9474-D1C5-4EAF-8FD3-1705BCC8FA6E}" dt="2025-06-05T14:30:41.517" v="823" actId="478"/>
-          <ac:picMkLst>
-            <pc:docMk/>
-            <pc:sldMk cId="1513335327" sldId="269"/>
-            <ac:picMk id="3" creationId="{B956754F-7D66-4FAF-9582-6AB512B347FB}"/>
-          </ac:picMkLst>
-        </pc:picChg>
         <pc:picChg chg="add mod modCrop">
           <ac:chgData name="Corentin HIVER" userId="36e1ca1018ad5470" providerId="LiveId" clId="{C5ED9474-D1C5-4EAF-8FD3-1705BCC8FA6E}" dt="2025-06-05T14:30:49.339" v="828" actId="1076"/>
           <ac:picMkLst>
@@ -990,14 +708,6 @@
           <pc:docMk/>
           <pc:sldMk cId="3941221215" sldId="270"/>
         </pc:sldMkLst>
-        <pc:picChg chg="del">
-          <ac:chgData name="Corentin HIVER" userId="36e1ca1018ad5470" providerId="LiveId" clId="{C5ED9474-D1C5-4EAF-8FD3-1705BCC8FA6E}" dt="2025-06-05T14:38:34.133" v="908" actId="478"/>
-          <ac:picMkLst>
-            <pc:docMk/>
-            <pc:sldMk cId="3941221215" sldId="270"/>
-            <ac:picMk id="3" creationId="{0EEDA6A9-0632-4BF7-A180-FE8CE8427684}"/>
-          </ac:picMkLst>
-        </pc:picChg>
         <pc:picChg chg="add">
           <ac:chgData name="Corentin HIVER" userId="36e1ca1018ad5470" providerId="LiveId" clId="{C5ED9474-D1C5-4EAF-8FD3-1705BCC8FA6E}" dt="2025-06-05T14:38:34.285" v="909" actId="22"/>
           <ac:picMkLst>
@@ -1021,12 +731,73 @@
             <ac:picMk id="3" creationId="{3695B608-9387-449C-8659-E5E63EBD01A4}"/>
           </ac:picMkLst>
         </pc:picChg>
+      </pc:sldChg>
+      <pc:sldChg chg="addSp delSp modSp new mod">
+        <pc:chgData name="Corentin HIVER" userId="36e1ca1018ad5470" providerId="LiveId" clId="{C5ED9474-D1C5-4EAF-8FD3-1705BCC8FA6E}" dt="2025-06-10T09:42:04.900" v="939" actId="1036"/>
+        <pc:sldMkLst>
+          <pc:docMk/>
+          <pc:sldMk cId="2217981853" sldId="272"/>
+        </pc:sldMkLst>
+        <pc:spChg chg="del">
+          <ac:chgData name="Corentin HIVER" userId="36e1ca1018ad5470" providerId="LiveId" clId="{C5ED9474-D1C5-4EAF-8FD3-1705BCC8FA6E}" dt="2025-06-10T09:39:48.872" v="924" actId="478"/>
+          <ac:spMkLst>
+            <pc:docMk/>
+            <pc:sldMk cId="2217981853" sldId="272"/>
+            <ac:spMk id="2" creationId="{539658C7-4810-4768-A7E8-62C44CBFEDF8}"/>
+          </ac:spMkLst>
+        </pc:spChg>
+        <pc:spChg chg="del">
+          <ac:chgData name="Corentin HIVER" userId="36e1ca1018ad5470" providerId="LiveId" clId="{C5ED9474-D1C5-4EAF-8FD3-1705BCC8FA6E}" dt="2025-06-10T09:39:49.849" v="925" actId="478"/>
+          <ac:spMkLst>
+            <pc:docMk/>
+            <pc:sldMk cId="2217981853" sldId="272"/>
+            <ac:spMk id="3" creationId="{5650E3C1-A2C1-451A-97D3-F97B194F71F9}"/>
+          </ac:spMkLst>
+        </pc:spChg>
+        <pc:picChg chg="add mod">
+          <ac:chgData name="Corentin HIVER" userId="36e1ca1018ad5470" providerId="LiveId" clId="{C5ED9474-D1C5-4EAF-8FD3-1705BCC8FA6E}" dt="2025-06-10T09:42:04.900" v="939" actId="1036"/>
+          <ac:picMkLst>
+            <pc:docMk/>
+            <pc:sldMk cId="2217981853" sldId="272"/>
+            <ac:picMk id="5" creationId="{8420F4D0-456A-436A-BA2E-C93D7ACFD01D}"/>
+          </ac:picMkLst>
+        </pc:picChg>
+      </pc:sldChg>
+      <pc:sldChg chg="add">
+        <pc:chgData name="Corentin HIVER" userId="36e1ca1018ad5470" providerId="LiveId" clId="{C5ED9474-D1C5-4EAF-8FD3-1705BCC8FA6E}" dt="2025-06-10T09:39:51.132" v="926" actId="2890"/>
+        <pc:sldMkLst>
+          <pc:docMk/>
+          <pc:sldMk cId="3475808852" sldId="273"/>
+        </pc:sldMkLst>
+      </pc:sldChg>
+      <pc:sldChg chg="addSp delSp modSp add mod">
+        <pc:chgData name="Corentin HIVER" userId="36e1ca1018ad5470" providerId="LiveId" clId="{C5ED9474-D1C5-4EAF-8FD3-1705BCC8FA6E}" dt="2025-06-10T09:42:12.320" v="942" actId="1037"/>
+        <pc:sldMkLst>
+          <pc:docMk/>
+          <pc:sldMk cId="3375314680" sldId="274"/>
+        </pc:sldMkLst>
+        <pc:picChg chg="add del">
+          <ac:chgData name="Corentin HIVER" userId="36e1ca1018ad5470" providerId="LiveId" clId="{C5ED9474-D1C5-4EAF-8FD3-1705BCC8FA6E}" dt="2025-06-10T09:41:39.087" v="931" actId="478"/>
+          <ac:picMkLst>
+            <pc:docMk/>
+            <pc:sldMk cId="3375314680" sldId="274"/>
+            <ac:picMk id="3" creationId="{6632014B-4AE2-41D7-AC45-1619C9F4CBD5}"/>
+          </ac:picMkLst>
+        </pc:picChg>
         <pc:picChg chg="del">
-          <ac:chgData name="Corentin HIVER" userId="36e1ca1018ad5470" providerId="LiveId" clId="{C5ED9474-D1C5-4EAF-8FD3-1705BCC8FA6E}" dt="2025-06-05T14:38:53.017" v="911" actId="478"/>
+          <ac:chgData name="Corentin HIVER" userId="36e1ca1018ad5470" providerId="LiveId" clId="{C5ED9474-D1C5-4EAF-8FD3-1705BCC8FA6E}" dt="2025-06-10T09:41:31.954" v="929" actId="478"/>
           <ac:picMkLst>
             <pc:docMk/>
-            <pc:sldMk cId="1327040326" sldId="271"/>
-            <ac:picMk id="4" creationId="{A1F952CC-23A7-4CC5-B0B3-56C56FDCABBB}"/>
+            <pc:sldMk cId="3375314680" sldId="274"/>
+            <ac:picMk id="5" creationId="{8420F4D0-456A-436A-BA2E-C93D7ACFD01D}"/>
+          </ac:picMkLst>
+        </pc:picChg>
+        <pc:picChg chg="add mod">
+          <ac:chgData name="Corentin HIVER" userId="36e1ca1018ad5470" providerId="LiveId" clId="{C5ED9474-D1C5-4EAF-8FD3-1705BCC8FA6E}" dt="2025-06-10T09:42:12.320" v="942" actId="1037"/>
+          <ac:picMkLst>
+            <pc:docMk/>
+            <pc:sldMk cId="3375314680" sldId="274"/>
+            <ac:picMk id="6" creationId="{FA4DD90E-E78B-4000-8DE7-85DE63DE64DE}"/>
           </ac:picMkLst>
         </pc:picChg>
       </pc:sldChg>
@@ -1548,11 +1319,11 @@
           <a:lstStyle/>
           <a:p>
             <a:r>
-              <a:rPr lang="fr-FR" dirty="0" err="1"/>
+              <a:rPr lang="fr-FR" err="1"/>
               <a:t>Warsaw</a:t>
             </a:r>
             <a:r>
-              <a:rPr lang="fr-FR" dirty="0"/>
+              <a:rPr lang="fr-FR"/>
               <a:t> Reader</a:t>
             </a:r>
           </a:p>
@@ -1617,11 +1388,11 @@
           <a:lstStyle/>
           <a:p>
             <a:r>
-              <a:rPr lang="fr-FR" sz="4400" dirty="0" err="1"/>
+              <a:rPr lang="fr-FR" sz="4400" err="1"/>
               <a:t>Coulex</a:t>
             </a:r>
             <a:r>
-              <a:rPr lang="fr-FR" sz="4400" dirty="0"/>
+              <a:rPr lang="fr-FR" sz="4400"/>
               <a:t> data</a:t>
             </a:r>
           </a:p>
@@ -1656,7 +1427,7 @@
           <a:lstStyle/>
           <a:p>
             <a:r>
-              <a:rPr lang="fr-FR" sz="2800" dirty="0"/>
+              <a:rPr lang="fr-FR" sz="2800"/>
               <a:t>-172,5 ns</a:t>
             </a:r>
           </a:p>
@@ -1666,59 +1437,59 @@
               <a:buChar char="à"/>
             </a:pPr>
             <a:r>
-              <a:rPr lang="fr-FR" sz="2800" dirty="0">
+              <a:rPr lang="fr-FR" sz="2800">
                 <a:sym typeface="Wingdings" panose="05000000000000000000" pitchFamily="2" charset="2"/>
               </a:rPr>
               <a:t>Come </a:t>
             </a:r>
             <a:r>
-              <a:rPr lang="fr-FR" sz="2800" dirty="0" err="1">
+              <a:rPr lang="fr-FR" sz="2800" err="1">
                 <a:sym typeface="Wingdings" panose="05000000000000000000" pitchFamily="2" charset="2"/>
               </a:rPr>
               <a:t>froms</a:t>
             </a:r>
             <a:r>
-              <a:rPr lang="fr-FR" sz="2800" dirty="0">
+              <a:rPr lang="fr-FR" sz="2800">
                 <a:sym typeface="Wingdings" panose="05000000000000000000" pitchFamily="2" charset="2"/>
               </a:rPr>
               <a:t> my CFD </a:t>
             </a:r>
             <a:r>
-              <a:rPr lang="fr-FR" sz="2800" dirty="0" err="1">
+              <a:rPr lang="fr-FR" sz="2800" err="1">
                 <a:sym typeface="Wingdings" panose="05000000000000000000" pitchFamily="2" charset="2"/>
               </a:rPr>
               <a:t>implementation</a:t>
             </a:r>
             <a:r>
-              <a:rPr lang="fr-FR" sz="2800" dirty="0">
+              <a:rPr lang="fr-FR" sz="2800">
                 <a:sym typeface="Wingdings" panose="05000000000000000000" pitchFamily="2" charset="2"/>
               </a:rPr>
               <a:t>,</a:t>
             </a:r>
             <a:br>
-              <a:rPr lang="fr-FR" sz="2800" dirty="0">
+              <a:rPr lang="fr-FR" sz="2800">
                 <a:sym typeface="Wingdings" panose="05000000000000000000" pitchFamily="2" charset="2"/>
               </a:rPr>
             </a:br>
             <a:r>
-              <a:rPr lang="fr-FR" sz="2800" dirty="0" err="1">
+              <a:rPr lang="fr-FR" sz="2800" err="1">
                 <a:sym typeface="Wingdings" panose="05000000000000000000" pitchFamily="2" charset="2"/>
               </a:rPr>
               <a:t>easy</a:t>
             </a:r>
             <a:r>
-              <a:rPr lang="fr-FR" sz="2800" dirty="0">
+              <a:rPr lang="fr-FR" sz="2800">
                 <a:sym typeface="Wingdings" panose="05000000000000000000" pitchFamily="2" charset="2"/>
               </a:rPr>
               <a:t> fix if </a:t>
             </a:r>
             <a:r>
-              <a:rPr lang="fr-FR" sz="2800" dirty="0" err="1">
+              <a:rPr lang="fr-FR" sz="2800" err="1">
                 <a:sym typeface="Wingdings" panose="05000000000000000000" pitchFamily="2" charset="2"/>
               </a:rPr>
               <a:t>needed</a:t>
             </a:r>
-            <a:endParaRPr lang="fr-FR" sz="2800" dirty="0">
+            <a:endParaRPr lang="fr-FR" sz="2800">
               <a:sym typeface="Wingdings" panose="05000000000000000000" pitchFamily="2" charset="2"/>
             </a:endParaRPr>
           </a:p>
@@ -1869,80 +1640,80 @@
           <a:lstStyle/>
           <a:p>
             <a:r>
-              <a:rPr lang="fr-FR" dirty="0" err="1"/>
+              <a:rPr lang="fr-FR" err="1"/>
               <a:t>Realign</a:t>
             </a:r>
             <a:r>
-              <a:rPr lang="fr-FR" dirty="0"/>
+              <a:rPr lang="fr-FR"/>
               <a:t> of </a:t>
             </a:r>
             <a:r>
-              <a:rPr lang="fr-FR" dirty="0" err="1"/>
+              <a:rPr lang="fr-FR" err="1"/>
               <a:t>misaligned</a:t>
             </a:r>
             <a:r>
-              <a:rPr lang="fr-FR" dirty="0"/>
+              <a:rPr lang="fr-FR"/>
               <a:t> detectors </a:t>
             </a:r>
             <a:r>
-              <a:rPr lang="fr-FR" dirty="0" err="1"/>
+              <a:rPr lang="fr-FR" err="1"/>
               <a:t>through</a:t>
             </a:r>
             <a:r>
-              <a:rPr lang="fr-FR" dirty="0"/>
+              <a:rPr lang="fr-FR"/>
               <a:t> CFD only !!</a:t>
             </a:r>
           </a:p>
           <a:p>
             <a:r>
-              <a:rPr lang="fr-FR" dirty="0">
+              <a:rPr lang="fr-FR">
                 <a:sym typeface="Wingdings" panose="05000000000000000000" pitchFamily="2" charset="2"/>
               </a:rPr>
               <a:t>CRRC2 has </a:t>
             </a:r>
             <a:r>
-              <a:rPr lang="fr-FR" dirty="0" err="1">
+              <a:rPr lang="fr-FR" err="1">
                 <a:sym typeface="Wingdings" panose="05000000000000000000" pitchFamily="2" charset="2"/>
               </a:rPr>
               <a:t>systematic</a:t>
             </a:r>
             <a:r>
-              <a:rPr lang="fr-FR" dirty="0">
+              <a:rPr lang="fr-FR">
                 <a:sym typeface="Wingdings" panose="05000000000000000000" pitchFamily="2" charset="2"/>
               </a:rPr>
               <a:t> </a:t>
             </a:r>
             <a:r>
-              <a:rPr lang="fr-FR" dirty="0" err="1">
+              <a:rPr lang="fr-FR" err="1">
                 <a:sym typeface="Wingdings" panose="05000000000000000000" pitchFamily="2" charset="2"/>
               </a:rPr>
               <a:t>error</a:t>
             </a:r>
             <a:r>
-              <a:rPr lang="fr-FR" dirty="0">
+              <a:rPr lang="fr-FR">
                 <a:sym typeface="Wingdings" panose="05000000000000000000" pitchFamily="2" charset="2"/>
               </a:rPr>
               <a:t> for </a:t>
             </a:r>
             <a:r>
-              <a:rPr lang="fr-FR" dirty="0" err="1">
+              <a:rPr lang="fr-FR" err="1">
                 <a:sym typeface="Wingdings" panose="05000000000000000000" pitchFamily="2" charset="2"/>
               </a:rPr>
               <a:t>some</a:t>
             </a:r>
             <a:r>
-              <a:rPr lang="fr-FR" dirty="0">
+              <a:rPr lang="fr-FR">
                 <a:sym typeface="Wingdings" panose="05000000000000000000" pitchFamily="2" charset="2"/>
               </a:rPr>
               <a:t> </a:t>
             </a:r>
             <a:r>
-              <a:rPr lang="fr-FR" dirty="0" err="1">
+              <a:rPr lang="fr-FR" err="1">
                 <a:sym typeface="Wingdings" panose="05000000000000000000" pitchFamily="2" charset="2"/>
               </a:rPr>
               <a:t>detetors</a:t>
             </a:r>
-            <a:endParaRPr lang="fr-FR" dirty="0"/>
+            <a:endParaRPr lang="fr-FR"/>
           </a:p>
         </p:txBody>
       </p:sp>
@@ -2005,11 +1776,11 @@
           <a:lstStyle/>
           <a:p>
             <a:r>
-              <a:rPr lang="fr-FR" sz="4400" dirty="0" err="1"/>
+              <a:rPr lang="fr-FR" sz="4400" err="1"/>
               <a:t>Coulex</a:t>
             </a:r>
             <a:r>
-              <a:rPr lang="fr-FR" sz="4400" dirty="0"/>
+              <a:rPr lang="fr-FR" sz="4400"/>
               <a:t> data</a:t>
             </a:r>
           </a:p>
@@ -2044,80 +1815,80 @@
           <a:lstStyle/>
           <a:p>
             <a:r>
-              <a:rPr lang="fr-FR" dirty="0" err="1"/>
+              <a:rPr lang="fr-FR" err="1"/>
               <a:t>Realign</a:t>
             </a:r>
             <a:r>
-              <a:rPr lang="fr-FR" dirty="0"/>
+              <a:rPr lang="fr-FR"/>
               <a:t> of </a:t>
             </a:r>
             <a:r>
-              <a:rPr lang="fr-FR" dirty="0" err="1"/>
+              <a:rPr lang="fr-FR" err="1"/>
               <a:t>misaligned</a:t>
             </a:r>
             <a:r>
-              <a:rPr lang="fr-FR" dirty="0"/>
+              <a:rPr lang="fr-FR"/>
               <a:t> detectors </a:t>
             </a:r>
             <a:r>
-              <a:rPr lang="fr-FR" dirty="0" err="1"/>
+              <a:rPr lang="fr-FR" err="1"/>
               <a:t>through</a:t>
             </a:r>
             <a:r>
-              <a:rPr lang="fr-FR" dirty="0"/>
+              <a:rPr lang="fr-FR"/>
               <a:t> CFD only !!</a:t>
             </a:r>
           </a:p>
           <a:p>
             <a:r>
-              <a:rPr lang="fr-FR" dirty="0">
+              <a:rPr lang="fr-FR">
                 <a:sym typeface="Wingdings" panose="05000000000000000000" pitchFamily="2" charset="2"/>
               </a:rPr>
               <a:t>CRRC2 has </a:t>
             </a:r>
             <a:r>
-              <a:rPr lang="fr-FR" dirty="0" err="1">
+              <a:rPr lang="fr-FR" err="1">
                 <a:sym typeface="Wingdings" panose="05000000000000000000" pitchFamily="2" charset="2"/>
               </a:rPr>
               <a:t>systematic</a:t>
             </a:r>
             <a:r>
-              <a:rPr lang="fr-FR" dirty="0">
+              <a:rPr lang="fr-FR">
                 <a:sym typeface="Wingdings" panose="05000000000000000000" pitchFamily="2" charset="2"/>
               </a:rPr>
               <a:t> </a:t>
             </a:r>
             <a:r>
-              <a:rPr lang="fr-FR" dirty="0" err="1">
+              <a:rPr lang="fr-FR" err="1">
                 <a:sym typeface="Wingdings" panose="05000000000000000000" pitchFamily="2" charset="2"/>
               </a:rPr>
               <a:t>error</a:t>
             </a:r>
             <a:r>
-              <a:rPr lang="fr-FR" dirty="0">
+              <a:rPr lang="fr-FR">
                 <a:sym typeface="Wingdings" panose="05000000000000000000" pitchFamily="2" charset="2"/>
               </a:rPr>
               <a:t> for </a:t>
             </a:r>
             <a:r>
-              <a:rPr lang="fr-FR" dirty="0" err="1">
+              <a:rPr lang="fr-FR" err="1">
                 <a:sym typeface="Wingdings" panose="05000000000000000000" pitchFamily="2" charset="2"/>
               </a:rPr>
               <a:t>some</a:t>
             </a:r>
             <a:r>
-              <a:rPr lang="fr-FR" dirty="0">
+              <a:rPr lang="fr-FR">
                 <a:sym typeface="Wingdings" panose="05000000000000000000" pitchFamily="2" charset="2"/>
               </a:rPr>
               <a:t> </a:t>
             </a:r>
             <a:r>
-              <a:rPr lang="fr-FR" dirty="0" err="1">
+              <a:rPr lang="fr-FR" err="1">
                 <a:sym typeface="Wingdings" panose="05000000000000000000" pitchFamily="2" charset="2"/>
               </a:rPr>
               <a:t>detetors</a:t>
             </a:r>
-            <a:endParaRPr lang="fr-FR" dirty="0"/>
+            <a:endParaRPr lang="fr-FR"/>
           </a:p>
         </p:txBody>
       </p:sp>
@@ -2696,6 +2467,156 @@
 </p:sld>
 </file>
 
+<file path=ppt/slides/slide17.xml><?xml version="1.0" encoding="utf-8"?>
+<p:sld xmlns:a="http://schemas.openxmlformats.org/drawingml/2006/main" xmlns:r="http://schemas.openxmlformats.org/officeDocument/2006/relationships" xmlns:p="http://schemas.openxmlformats.org/presentationml/2006/main">
+  <p:cSld>
+    <p:spTree>
+      <p:nvGrpSpPr>
+        <p:cNvPr id="1" name=""/>
+        <p:cNvGrpSpPr/>
+        <p:nvPr/>
+      </p:nvGrpSpPr>
+      <p:grpSpPr>
+        <a:xfrm>
+          <a:off x="0" y="0"/>
+          <a:ext cx="0" cy="0"/>
+          <a:chOff x="0" y="0"/>
+          <a:chExt cx="0" cy="0"/>
+        </a:xfrm>
+      </p:grpSpPr>
+      <p:pic>
+        <p:nvPicPr>
+          <p:cNvPr id="5" name="Image 4">
+            <a:extLst>
+              <a:ext uri="{FF2B5EF4-FFF2-40B4-BE49-F238E27FC236}">
+                <a16:creationId xmlns:a16="http://schemas.microsoft.com/office/drawing/2014/main" id="{8420F4D0-456A-436A-BA2E-C93D7ACFD01D}"/>
+              </a:ext>
+            </a:extLst>
+          </p:cNvPr>
+          <p:cNvPicPr>
+            <a:picLocks noChangeAspect="1"/>
+          </p:cNvPicPr>
+          <p:nvPr/>
+        </p:nvPicPr>
+        <p:blipFill>
+          <a:blip r:embed="rId2"/>
+          <a:stretch>
+            <a:fillRect/>
+          </a:stretch>
+        </p:blipFill>
+        <p:spPr>
+          <a:xfrm>
+            <a:off x="28281" y="98351"/>
+            <a:ext cx="12192000" cy="6755567"/>
+          </a:xfrm>
+          <a:prstGeom prst="rect">
+            <a:avLst/>
+          </a:prstGeom>
+        </p:spPr>
+      </p:pic>
+    </p:spTree>
+    <p:extLst>
+      <p:ext uri="{BB962C8B-B14F-4D97-AF65-F5344CB8AC3E}">
+        <p14:creationId xmlns:p14="http://schemas.microsoft.com/office/powerpoint/2010/main" val="2217981853"/>
+      </p:ext>
+    </p:extLst>
+  </p:cSld>
+  <p:clrMapOvr>
+    <a:masterClrMapping/>
+  </p:clrMapOvr>
+</p:sld>
+</file>
+
+<file path=ppt/slides/slide18.xml><?xml version="1.0" encoding="utf-8"?>
+<p:sld xmlns:a="http://schemas.openxmlformats.org/drawingml/2006/main" xmlns:r="http://schemas.openxmlformats.org/officeDocument/2006/relationships" xmlns:p="http://schemas.openxmlformats.org/presentationml/2006/main">
+  <p:cSld>
+    <p:spTree>
+      <p:nvGrpSpPr>
+        <p:cNvPr id="1" name=""/>
+        <p:cNvGrpSpPr/>
+        <p:nvPr/>
+      </p:nvGrpSpPr>
+      <p:grpSpPr>
+        <a:xfrm>
+          <a:off x="0" y="0"/>
+          <a:ext cx="0" cy="0"/>
+          <a:chOff x="0" y="0"/>
+          <a:chExt cx="0" cy="0"/>
+        </a:xfrm>
+      </p:grpSpPr>
+      <p:pic>
+        <p:nvPicPr>
+          <p:cNvPr id="6" name="Image 5">
+            <a:extLst>
+              <a:ext uri="{FF2B5EF4-FFF2-40B4-BE49-F238E27FC236}">
+                <a16:creationId xmlns:a16="http://schemas.microsoft.com/office/drawing/2014/main" id="{FA4DD90E-E78B-4000-8DE7-85DE63DE64DE}"/>
+              </a:ext>
+            </a:extLst>
+          </p:cNvPr>
+          <p:cNvPicPr>
+            <a:picLocks noChangeAspect="1"/>
+          </p:cNvPicPr>
+          <p:nvPr/>
+        </p:nvPicPr>
+        <p:blipFill>
+          <a:blip r:embed="rId2"/>
+          <a:stretch>
+            <a:fillRect/>
+          </a:stretch>
+        </p:blipFill>
+        <p:spPr>
+          <a:xfrm>
+            <a:off x="-28281" y="83438"/>
+            <a:ext cx="12192000" cy="6691124"/>
+          </a:xfrm>
+          <a:prstGeom prst="rect">
+            <a:avLst/>
+          </a:prstGeom>
+        </p:spPr>
+      </p:pic>
+    </p:spTree>
+    <p:extLst>
+      <p:ext uri="{BB962C8B-B14F-4D97-AF65-F5344CB8AC3E}">
+        <p14:creationId xmlns:p14="http://schemas.microsoft.com/office/powerpoint/2010/main" val="3375314680"/>
+      </p:ext>
+    </p:extLst>
+  </p:cSld>
+  <p:clrMapOvr>
+    <a:masterClrMapping/>
+  </p:clrMapOvr>
+</p:sld>
+</file>
+
+<file path=ppt/slides/slide19.xml><?xml version="1.0" encoding="utf-8"?>
+<p:sld xmlns:a="http://schemas.openxmlformats.org/drawingml/2006/main" xmlns:r="http://schemas.openxmlformats.org/officeDocument/2006/relationships" xmlns:p="http://schemas.openxmlformats.org/presentationml/2006/main">
+  <p:cSld>
+    <p:spTree>
+      <p:nvGrpSpPr>
+        <p:cNvPr id="1" name=""/>
+        <p:cNvGrpSpPr/>
+        <p:nvPr/>
+      </p:nvGrpSpPr>
+      <p:grpSpPr>
+        <a:xfrm>
+          <a:off x="0" y="0"/>
+          <a:ext cx="0" cy="0"/>
+          <a:chOff x="0" y="0"/>
+          <a:chExt cx="0" cy="0"/>
+        </a:xfrm>
+      </p:grpSpPr>
+    </p:spTree>
+    <p:extLst>
+      <p:ext uri="{BB962C8B-B14F-4D97-AF65-F5344CB8AC3E}">
+        <p14:creationId xmlns:p14="http://schemas.microsoft.com/office/powerpoint/2010/main" val="3475808852"/>
+      </p:ext>
+    </p:extLst>
+  </p:cSld>
+  <p:clrMapOvr>
+    <a:masterClrMapping/>
+  </p:clrMapOvr>
+</p:sld>
+</file>
+
 <file path=ppt/slides/slide2.xml><?xml version="1.0" encoding="utf-8"?>
 <p:sld xmlns:a="http://schemas.openxmlformats.org/drawingml/2006/main" xmlns:r="http://schemas.openxmlformats.org/officeDocument/2006/relationships" xmlns:p="http://schemas.openxmlformats.org/presentationml/2006/main">
   <p:cSld>
@@ -2742,11 +2663,11 @@
           <a:lstStyle/>
           <a:p>
             <a:r>
-              <a:rPr lang="fr-FR" sz="4400" dirty="0" err="1"/>
+              <a:rPr lang="fr-FR" sz="4400" err="1"/>
               <a:t>Coulex</a:t>
             </a:r>
             <a:r>
-              <a:rPr lang="fr-FR" sz="4400" dirty="0"/>
+              <a:rPr lang="fr-FR" sz="4400"/>
               <a:t> data</a:t>
             </a:r>
           </a:p>
@@ -2811,7 +2732,7 @@
           <a:lstStyle/>
           <a:p>
             <a:r>
-              <a:rPr lang="fr-FR" dirty="0"/>
+              <a:rPr lang="fr-FR"/>
               <a:t>First 1000 SiPM traces of first file</a:t>
             </a:r>
           </a:p>
@@ -2876,7 +2797,7 @@
           <a:lstStyle/>
           <a:p>
             <a:r>
-              <a:rPr lang="fr-FR" dirty="0"/>
+              <a:rPr lang="fr-FR"/>
               <a:t>Next traces</a:t>
             </a:r>
           </a:p>
@@ -2941,11 +2862,11 @@
           <a:lstStyle/>
           <a:p>
             <a:r>
-              <a:rPr lang="fr-FR" sz="4400" dirty="0" err="1"/>
+              <a:rPr lang="fr-FR" sz="4400" err="1"/>
               <a:t>Coulex</a:t>
             </a:r>
             <a:r>
-              <a:rPr lang="fr-FR" sz="4400" dirty="0"/>
+              <a:rPr lang="fr-FR" sz="4400"/>
               <a:t> data</a:t>
             </a:r>
           </a:p>
@@ -3010,7 +2931,7 @@
           <a:lstStyle/>
           <a:p>
             <a:r>
-              <a:rPr lang="fr-FR" dirty="0"/>
+              <a:rPr lang="fr-FR"/>
               <a:t>BGO traces</a:t>
             </a:r>
           </a:p>
@@ -3075,7 +2996,7 @@
           <a:lstStyle/>
           <a:p>
             <a:r>
-              <a:rPr lang="fr-FR" dirty="0"/>
+              <a:rPr lang="fr-FR"/>
               <a:t>Ge traces</a:t>
             </a:r>
           </a:p>
@@ -3110,19 +3031,19 @@
           <a:lstStyle/>
           <a:p>
             <a:r>
-              <a:rPr lang="fr-FR" dirty="0" err="1"/>
+              <a:rPr lang="fr-FR" err="1"/>
               <a:t>Wrong</a:t>
             </a:r>
             <a:r>
-              <a:rPr lang="fr-FR" dirty="0"/>
+              <a:rPr lang="fr-FR"/>
               <a:t> </a:t>
             </a:r>
             <a:r>
-              <a:rPr lang="fr-FR" dirty="0" err="1"/>
+              <a:rPr lang="fr-FR" err="1"/>
               <a:t>registers</a:t>
             </a:r>
             <a:r>
-              <a:rPr lang="fr-FR" dirty="0"/>
+              <a:rPr lang="fr-FR"/>
               <a:t> settings …</a:t>
             </a:r>
           </a:p>
@@ -3187,11 +3108,11 @@
           <a:lstStyle/>
           <a:p>
             <a:r>
-              <a:rPr lang="fr-FR" sz="4400" dirty="0" err="1"/>
+              <a:rPr lang="fr-FR" sz="4400" err="1"/>
               <a:t>Coulex</a:t>
             </a:r>
             <a:r>
-              <a:rPr lang="fr-FR" sz="4400" dirty="0"/>
+              <a:rPr lang="fr-FR" sz="4400"/>
               <a:t> data</a:t>
             </a:r>
           </a:p>
@@ -3256,7 +3177,7 @@
           <a:lstStyle/>
           <a:p>
             <a:r>
-              <a:rPr lang="fr-FR" sz="2400" dirty="0"/>
+              <a:rPr lang="fr-FR" sz="2400"/>
               <a:t>T(OTHER) - T(EAGLE_13)  VS  Label(OTHER)</a:t>
             </a:r>
           </a:p>
@@ -3350,11 +3271,11 @@
           <a:lstStyle/>
           <a:p>
             <a:r>
-              <a:rPr lang="fr-FR" sz="4400" dirty="0" err="1"/>
+              <a:rPr lang="fr-FR" sz="4400" err="1"/>
               <a:t>Coulex</a:t>
             </a:r>
             <a:r>
-              <a:rPr lang="fr-FR" sz="4400" dirty="0"/>
+              <a:rPr lang="fr-FR" sz="4400"/>
               <a:t> data</a:t>
             </a:r>
           </a:p>
@@ -3419,14 +3340,14 @@
           <a:lstStyle/>
           <a:p>
             <a:r>
-              <a:rPr lang="fr-FR" sz="2800" dirty="0"/>
+              <a:rPr lang="fr-FR" sz="2800"/>
               <a:t>All </a:t>
             </a:r>
             <a:r>
-              <a:rPr lang="fr-FR" sz="2800" dirty="0" err="1"/>
+              <a:rPr lang="fr-FR" sz="2800" err="1"/>
               <a:t>sectors</a:t>
             </a:r>
-            <a:endParaRPr lang="fr-FR" sz="2800" dirty="0"/>
+            <a:endParaRPr lang="fr-FR" sz="2800"/>
           </a:p>
         </p:txBody>
       </p:sp>
@@ -3540,11 +3461,11 @@
           <a:lstStyle/>
           <a:p>
             <a:r>
-              <a:rPr lang="fr-FR" sz="4400" dirty="0" err="1"/>
+              <a:rPr lang="fr-FR" sz="4400" err="1"/>
               <a:t>Coulex</a:t>
             </a:r>
             <a:r>
-              <a:rPr lang="fr-FR" sz="4400" dirty="0"/>
+              <a:rPr lang="fr-FR" sz="4400"/>
               <a:t> data</a:t>
             </a:r>
           </a:p>
@@ -3638,7 +3559,7 @@
           <a:lstStyle/>
           <a:p>
             <a:r>
-              <a:rPr lang="fr-FR" sz="2800" dirty="0"/>
+              <a:rPr lang="fr-FR" sz="2800"/>
               <a:t>All rings</a:t>
             </a:r>
           </a:p>
@@ -3754,11 +3675,11 @@
           <a:lstStyle/>
           <a:p>
             <a:r>
-              <a:rPr lang="fr-FR" sz="4400" dirty="0" err="1"/>
+              <a:rPr lang="fr-FR" sz="4400" err="1"/>
               <a:t>Coulex</a:t>
             </a:r>
             <a:r>
-              <a:rPr lang="fr-FR" sz="4400" dirty="0"/>
+              <a:rPr lang="fr-FR" sz="4400"/>
               <a:t> data</a:t>
             </a:r>
           </a:p>
@@ -3903,7 +3824,7 @@
           <a:lstStyle/>
           <a:p>
             <a:r>
-              <a:rPr lang="fr-FR" sz="2800" dirty="0"/>
+              <a:rPr lang="fr-FR" sz="2800"/>
               <a:t>NEDA</a:t>
             </a:r>
           </a:p>
@@ -3968,11 +3889,11 @@
           <a:lstStyle/>
           <a:p>
             <a:r>
-              <a:rPr lang="fr-FR" sz="4400" dirty="0" err="1"/>
+              <a:rPr lang="fr-FR" sz="4400" err="1"/>
               <a:t>Coulex</a:t>
             </a:r>
             <a:r>
-              <a:rPr lang="fr-FR" sz="4400" dirty="0"/>
+              <a:rPr lang="fr-FR" sz="4400"/>
               <a:t> data</a:t>
             </a:r>
           </a:p>
@@ -4117,7 +4038,7 @@
           <a:lstStyle/>
           <a:p>
             <a:r>
-              <a:rPr lang="fr-FR" sz="2800" dirty="0"/>
+              <a:rPr lang="fr-FR" sz="2800"/>
               <a:t>‘’NEDA’’ </a:t>
             </a:r>
           </a:p>
@@ -4182,11 +4103,11 @@
           <a:lstStyle/>
           <a:p>
             <a:r>
-              <a:rPr lang="fr-FR" sz="4400" dirty="0" err="1"/>
+              <a:rPr lang="fr-FR" sz="4400" err="1"/>
               <a:t>Coulex</a:t>
             </a:r>
             <a:r>
-              <a:rPr lang="fr-FR" sz="4400" dirty="0"/>
+              <a:rPr lang="fr-FR" sz="4400"/>
               <a:t> data</a:t>
             </a:r>
           </a:p>
